--- a/templates/PowerPoint Template.pptx
+++ b/templates/PowerPoint Template.pptx
@@ -105,6 +105,11 @@
       </a:defRPr>
     </a:lvl9pPr>
   </p:defaultTextStyle>
+  <p:extLst>
+    <p:ext uri="{EFAFB233-063F-42B5-8137-9DF3F51BA10A}">
+      <p15:sldGuideLst xmlns:p15="http://schemas.microsoft.com/office/powerpoint/2012/main"/>
+    </p:ext>
+  </p:extLst>
 </p:presentation>
 </file>
 
@@ -257,7 +262,7 @@
           <a:p>
             <a:fld id="{766927D6-957D-304E-8ACA-BA097D129572}" type="datetimeFigureOut">
               <a:rPr lang="en-US" smtClean="0"/>
-              <a:t>9/11/19</a:t>
+              <a:t>9/12/19</a:t>
             </a:fld>
             <a:endParaRPr lang="en-US"/>
           </a:p>
@@ -457,7 +462,7 @@
           <a:p>
             <a:fld id="{766927D6-957D-304E-8ACA-BA097D129572}" type="datetimeFigureOut">
               <a:rPr lang="en-US" smtClean="0"/>
-              <a:t>9/11/19</a:t>
+              <a:t>9/12/19</a:t>
             </a:fld>
             <a:endParaRPr lang="en-US"/>
           </a:p>
@@ -667,7 +672,7 @@
           <a:p>
             <a:fld id="{766927D6-957D-304E-8ACA-BA097D129572}" type="datetimeFigureOut">
               <a:rPr lang="en-US" smtClean="0"/>
-              <a:t>9/11/19</a:t>
+              <a:t>9/12/19</a:t>
             </a:fld>
             <a:endParaRPr lang="en-US"/>
           </a:p>
@@ -867,7 +872,7 @@
           <a:p>
             <a:fld id="{766927D6-957D-304E-8ACA-BA097D129572}" type="datetimeFigureOut">
               <a:rPr lang="en-US" smtClean="0"/>
-              <a:t>9/11/19</a:t>
+              <a:t>9/12/19</a:t>
             </a:fld>
             <a:endParaRPr lang="en-US"/>
           </a:p>
@@ -1173,7 +1178,7 @@
           <a:p>
             <a:fld id="{766927D6-957D-304E-8ACA-BA097D129572}" type="datetimeFigureOut">
               <a:rPr lang="en-US" smtClean="0"/>
-              <a:t>9/11/19</a:t>
+              <a:t>9/12/19</a:t>
             </a:fld>
             <a:endParaRPr lang="en-US"/>
           </a:p>
@@ -1441,7 +1446,7 @@
           <a:p>
             <a:fld id="{766927D6-957D-304E-8ACA-BA097D129572}" type="datetimeFigureOut">
               <a:rPr lang="en-US" smtClean="0"/>
-              <a:t>9/11/19</a:t>
+              <a:t>9/12/19</a:t>
             </a:fld>
             <a:endParaRPr lang="en-US"/>
           </a:p>
@@ -1856,7 +1861,7 @@
           <a:p>
             <a:fld id="{766927D6-957D-304E-8ACA-BA097D129572}" type="datetimeFigureOut">
               <a:rPr lang="en-US" smtClean="0"/>
-              <a:t>9/11/19</a:t>
+              <a:t>9/12/19</a:t>
             </a:fld>
             <a:endParaRPr lang="en-US"/>
           </a:p>
@@ -1998,7 +2003,7 @@
           <a:p>
             <a:fld id="{766927D6-957D-304E-8ACA-BA097D129572}" type="datetimeFigureOut">
               <a:rPr lang="en-US" smtClean="0"/>
-              <a:t>9/11/19</a:t>
+              <a:t>9/12/19</a:t>
             </a:fld>
             <a:endParaRPr lang="en-US"/>
           </a:p>
@@ -2111,7 +2116,7 @@
           <a:p>
             <a:fld id="{766927D6-957D-304E-8ACA-BA097D129572}" type="datetimeFigureOut">
               <a:rPr lang="en-US" smtClean="0"/>
-              <a:t>9/11/19</a:t>
+              <a:t>9/12/19</a:t>
             </a:fld>
             <a:endParaRPr lang="en-US"/>
           </a:p>
@@ -2424,7 +2429,7 @@
           <a:p>
             <a:fld id="{766927D6-957D-304E-8ACA-BA097D129572}" type="datetimeFigureOut">
               <a:rPr lang="en-US" smtClean="0"/>
-              <a:t>9/11/19</a:t>
+              <a:t>9/12/19</a:t>
             </a:fld>
             <a:endParaRPr lang="en-US"/>
           </a:p>
@@ -2713,7 +2718,7 @@
           <a:p>
             <a:fld id="{766927D6-957D-304E-8ACA-BA097D129572}" type="datetimeFigureOut">
               <a:rPr lang="en-US" smtClean="0"/>
-              <a:t>9/11/19</a:t>
+              <a:t>9/12/19</a:t>
             </a:fld>
             <a:endParaRPr lang="en-US"/>
           </a:p>
@@ -2956,7 +2961,7 @@
           <a:p>
             <a:fld id="{766927D6-957D-304E-8ACA-BA097D129572}" type="datetimeFigureOut">
               <a:rPr lang="en-US" smtClean="0"/>
-              <a:t>9/11/19</a:t>
+              <a:t>9/12/19</a:t>
             </a:fld>
             <a:endParaRPr lang="en-US"/>
           </a:p>
@@ -3373,91 +3378,12 @@
           <a:chExt cx="0" cy="0"/>
         </a:xfrm>
       </p:grpSpPr>
-      <p:sp>
-        <p:nvSpPr>
-          <p:cNvPr id="2" name="Title 1">
-            <a:extLst>
-              <a:ext uri="{FF2B5EF4-FFF2-40B4-BE49-F238E27FC236}">
-                <a16:creationId xmlns:a16="http://schemas.microsoft.com/office/drawing/2014/main" id="{818F06F4-CACF-A44D-A083-5AE9783A19B0}"/>
-              </a:ext>
-            </a:extLst>
-          </p:cNvPr>
-          <p:cNvSpPr>
-            <a:spLocks noGrp="1"/>
-          </p:cNvSpPr>
-          <p:nvPr>
-            <p:ph type="ctrTitle"/>
-          </p:nvPr>
-        </p:nvSpPr>
-        <p:spPr>
-          <a:xfrm>
-            <a:off x="1524000" y="3428999"/>
-            <a:ext cx="9144000" cy="926663"/>
-          </a:xfrm>
-        </p:spPr>
-        <p:txBody>
-          <a:bodyPr/>
-          <a:lstStyle/>
-          <a:p>
-            <a:r>
-              <a:rPr lang="en-US" dirty="0"/>
-              <a:t>Session title</a:t>
-            </a:r>
-          </a:p>
-        </p:txBody>
-      </p:sp>
-      <p:sp>
-        <p:nvSpPr>
-          <p:cNvPr id="3" name="Subtitle 2">
-            <a:extLst>
-              <a:ext uri="{FF2B5EF4-FFF2-40B4-BE49-F238E27FC236}">
-                <a16:creationId xmlns:a16="http://schemas.microsoft.com/office/drawing/2014/main" id="{8C9CDF67-DB8E-D142-9791-876662EF56EC}"/>
-              </a:ext>
-            </a:extLst>
-          </p:cNvPr>
-          <p:cNvSpPr>
-            <a:spLocks noGrp="1"/>
-          </p:cNvSpPr>
-          <p:nvPr>
-            <p:ph type="subTitle" idx="1"/>
-          </p:nvPr>
-        </p:nvSpPr>
-        <p:spPr>
-          <a:xfrm>
-            <a:off x="1524000" y="4737155"/>
-            <a:ext cx="9144000" cy="1655762"/>
-          </a:xfrm>
-        </p:spPr>
-        <p:txBody>
-          <a:bodyPr/>
-          <a:lstStyle/>
-          <a:p>
-            <a:r>
-              <a:rPr lang="en-US"/>
-              <a:t>Subtitle</a:t>
-            </a:r>
-            <a:endParaRPr lang="en-US" dirty="0"/>
-          </a:p>
-          <a:p>
-            <a:r>
-              <a:rPr lang="en-US" dirty="0"/>
-              <a:t>Speaker Name(s)</a:t>
-            </a:r>
-          </a:p>
-          <a:p>
-            <a:r>
-              <a:rPr lang="en-US" dirty="0"/>
-              <a:t>Speaker Details(s)</a:t>
-            </a:r>
-          </a:p>
-        </p:txBody>
-      </p:sp>
       <p:pic>
         <p:nvPicPr>
-          <p:cNvPr id="5" name="Picture 4">
-            <a:extLst>
-              <a:ext uri="{FF2B5EF4-FFF2-40B4-BE49-F238E27FC236}">
-                <a16:creationId xmlns:a16="http://schemas.microsoft.com/office/drawing/2014/main" id="{33534379-F695-7F4C-A1BD-46C8979FF484}"/>
+          <p:cNvPr id="7" name="Picture 6" descr="A close up of a logo&#10;&#10;Description automatically generated">
+            <a:extLst>
+              <a:ext uri="{FF2B5EF4-FFF2-40B4-BE49-F238E27FC236}">
+                <a16:creationId xmlns:a16="http://schemas.microsoft.com/office/drawing/2014/main" id="{FF02ACB7-ADB0-0243-A286-FCCF169895FB}"/>
               </a:ext>
             </a:extLst>
           </p:cNvPr>
@@ -3468,6 +3394,115 @@
         </p:nvPicPr>
         <p:blipFill>
           <a:blip r:embed="rId2"/>
+          <a:stretch>
+            <a:fillRect/>
+          </a:stretch>
+        </p:blipFill>
+        <p:spPr>
+          <a:xfrm>
+            <a:off x="4762" y="0"/>
+            <a:ext cx="12182475" cy="6858000"/>
+          </a:xfrm>
+          <a:prstGeom prst="rect">
+            <a:avLst/>
+          </a:prstGeom>
+        </p:spPr>
+      </p:pic>
+      <p:sp>
+        <p:nvSpPr>
+          <p:cNvPr id="2" name="Title 1">
+            <a:extLst>
+              <a:ext uri="{FF2B5EF4-FFF2-40B4-BE49-F238E27FC236}">
+                <a16:creationId xmlns:a16="http://schemas.microsoft.com/office/drawing/2014/main" id="{818F06F4-CACF-A44D-A083-5AE9783A19B0}"/>
+              </a:ext>
+            </a:extLst>
+          </p:cNvPr>
+          <p:cNvSpPr>
+            <a:spLocks noGrp="1"/>
+          </p:cNvSpPr>
+          <p:nvPr>
+            <p:ph type="ctrTitle"/>
+          </p:nvPr>
+        </p:nvSpPr>
+        <p:spPr>
+          <a:xfrm>
+            <a:off x="1524000" y="3428999"/>
+            <a:ext cx="9144000" cy="926663"/>
+          </a:xfrm>
+        </p:spPr>
+        <p:txBody>
+          <a:bodyPr/>
+          <a:lstStyle/>
+          <a:p>
+            <a:r>
+              <a:rPr lang="en-US" dirty="0"/>
+              <a:t>Session title</a:t>
+            </a:r>
+          </a:p>
+        </p:txBody>
+      </p:sp>
+      <p:sp>
+        <p:nvSpPr>
+          <p:cNvPr id="3" name="Subtitle 2">
+            <a:extLst>
+              <a:ext uri="{FF2B5EF4-FFF2-40B4-BE49-F238E27FC236}">
+                <a16:creationId xmlns:a16="http://schemas.microsoft.com/office/drawing/2014/main" id="{8C9CDF67-DB8E-D142-9791-876662EF56EC}"/>
+              </a:ext>
+            </a:extLst>
+          </p:cNvPr>
+          <p:cNvSpPr>
+            <a:spLocks noGrp="1"/>
+          </p:cNvSpPr>
+          <p:nvPr>
+            <p:ph type="subTitle" idx="1"/>
+          </p:nvPr>
+        </p:nvSpPr>
+        <p:spPr>
+          <a:xfrm>
+            <a:off x="1524000" y="4737155"/>
+            <a:ext cx="9144000" cy="1655762"/>
+          </a:xfrm>
+        </p:spPr>
+        <p:txBody>
+          <a:bodyPr/>
+          <a:lstStyle/>
+          <a:p>
+            <a:r>
+              <a:rPr lang="en-US"/>
+              <a:t>Subtitle</a:t>
+            </a:r>
+            <a:endParaRPr lang="en-US" dirty="0"/>
+          </a:p>
+          <a:p>
+            <a:r>
+              <a:rPr lang="en-US" dirty="0"/>
+              <a:t>Speaker Name(s)</a:t>
+            </a:r>
+          </a:p>
+          <a:p>
+            <a:r>
+              <a:rPr lang="en-US" dirty="0"/>
+              <a:t>Speaker Details(s)</a:t>
+            </a:r>
+          </a:p>
+        </p:txBody>
+      </p:sp>
+      <p:pic>
+        <p:nvPicPr>
+          <p:cNvPr id="5" name="Picture 4">
+            <a:extLst>
+              <a:ext uri="{FF2B5EF4-FFF2-40B4-BE49-F238E27FC236}">
+                <a16:creationId xmlns:a16="http://schemas.microsoft.com/office/drawing/2014/main" id="{33534379-F695-7F4C-A1BD-46C8979FF484}"/>
+              </a:ext>
+            </a:extLst>
+          </p:cNvPr>
+          <p:cNvPicPr>
+            <a:picLocks noChangeAspect="1"/>
+          </p:cNvPicPr>
+          <p:nvPr/>
+        </p:nvPicPr>
+        <p:blipFill>
+          <a:blip r:embed="rId3"/>
           <a:stretch>
             <a:fillRect/>
           </a:stretch>
